--- a/KR_RPO_IU371_Romanova.pptx
+++ b/KR_RPO_IU371_Romanova.pptx
@@ -87,13 +87,13 @@
         </a:solidFill>
         <a:effectLst/>
         <a:uFillTx/>
-        <a:latin typeface="+mj-lt"/>
-        <a:ea typeface="+mj-ea"/>
-        <a:cs typeface="+mj-cs"/>
-        <a:sym typeface="Calibri"/>
+        <a:latin typeface="+mn-lt"/>
+        <a:ea typeface="+mn-ea"/>
+        <a:cs typeface="+mn-cs"/>
+        <a:sym typeface="Helvetica"/>
       </a:defRPr>
     </a:lvl1pPr>
-    <a:lvl2pPr marL="0" marR="0" indent="457200" algn="l" defTabSz="457200" rtl="0" fontAlgn="auto" latinLnBrk="0" hangingPunct="0">
+    <a:lvl2pPr marL="0" marR="0" indent="0" algn="l" defTabSz="457200" rtl="0" fontAlgn="auto" latinLnBrk="0" hangingPunct="0">
       <a:lnSpc>
         <a:spcPct val="100000"/>
       </a:lnSpc>
@@ -117,13 +117,13 @@
         </a:solidFill>
         <a:effectLst/>
         <a:uFillTx/>
-        <a:latin typeface="+mj-lt"/>
-        <a:ea typeface="+mj-ea"/>
-        <a:cs typeface="+mj-cs"/>
-        <a:sym typeface="Calibri"/>
+        <a:latin typeface="+mn-lt"/>
+        <a:ea typeface="+mn-ea"/>
+        <a:cs typeface="+mn-cs"/>
+        <a:sym typeface="Helvetica"/>
       </a:defRPr>
     </a:lvl2pPr>
-    <a:lvl3pPr marL="0" marR="0" indent="914400" algn="l" defTabSz="457200" rtl="0" fontAlgn="auto" latinLnBrk="0" hangingPunct="0">
+    <a:lvl3pPr marL="0" marR="0" indent="0" algn="l" defTabSz="457200" rtl="0" fontAlgn="auto" latinLnBrk="0" hangingPunct="0">
       <a:lnSpc>
         <a:spcPct val="100000"/>
       </a:lnSpc>
@@ -147,13 +147,13 @@
         </a:solidFill>
         <a:effectLst/>
         <a:uFillTx/>
-        <a:latin typeface="+mj-lt"/>
-        <a:ea typeface="+mj-ea"/>
-        <a:cs typeface="+mj-cs"/>
-        <a:sym typeface="Calibri"/>
+        <a:latin typeface="+mn-lt"/>
+        <a:ea typeface="+mn-ea"/>
+        <a:cs typeface="+mn-cs"/>
+        <a:sym typeface="Helvetica"/>
       </a:defRPr>
     </a:lvl3pPr>
-    <a:lvl4pPr marL="0" marR="0" indent="1371600" algn="l" defTabSz="457200" rtl="0" fontAlgn="auto" latinLnBrk="0" hangingPunct="0">
+    <a:lvl4pPr marL="0" marR="0" indent="0" algn="l" defTabSz="457200" rtl="0" fontAlgn="auto" latinLnBrk="0" hangingPunct="0">
       <a:lnSpc>
         <a:spcPct val="100000"/>
       </a:lnSpc>
@@ -177,13 +177,13 @@
         </a:solidFill>
         <a:effectLst/>
         <a:uFillTx/>
-        <a:latin typeface="+mj-lt"/>
-        <a:ea typeface="+mj-ea"/>
-        <a:cs typeface="+mj-cs"/>
-        <a:sym typeface="Calibri"/>
+        <a:latin typeface="+mn-lt"/>
+        <a:ea typeface="+mn-ea"/>
+        <a:cs typeface="+mn-cs"/>
+        <a:sym typeface="Helvetica"/>
       </a:defRPr>
     </a:lvl4pPr>
-    <a:lvl5pPr marL="0" marR="0" indent="1828800" algn="l" defTabSz="457200" rtl="0" fontAlgn="auto" latinLnBrk="0" hangingPunct="0">
+    <a:lvl5pPr marL="0" marR="0" indent="0" algn="l" defTabSz="457200" rtl="0" fontAlgn="auto" latinLnBrk="0" hangingPunct="0">
       <a:lnSpc>
         <a:spcPct val="100000"/>
       </a:lnSpc>
@@ -207,13 +207,13 @@
         </a:solidFill>
         <a:effectLst/>
         <a:uFillTx/>
-        <a:latin typeface="+mj-lt"/>
-        <a:ea typeface="+mj-ea"/>
-        <a:cs typeface="+mj-cs"/>
-        <a:sym typeface="Calibri"/>
+        <a:latin typeface="+mn-lt"/>
+        <a:ea typeface="+mn-ea"/>
+        <a:cs typeface="+mn-cs"/>
+        <a:sym typeface="Helvetica"/>
       </a:defRPr>
     </a:lvl5pPr>
-    <a:lvl6pPr marL="0" marR="0" indent="2286000" algn="l" defTabSz="457200" rtl="0" fontAlgn="auto" latinLnBrk="0" hangingPunct="0">
+    <a:lvl6pPr marL="0" marR="0" indent="0" algn="l" defTabSz="457200" rtl="0" fontAlgn="auto" latinLnBrk="0" hangingPunct="0">
       <a:lnSpc>
         <a:spcPct val="100000"/>
       </a:lnSpc>
@@ -237,13 +237,13 @@
         </a:solidFill>
         <a:effectLst/>
         <a:uFillTx/>
-        <a:latin typeface="+mj-lt"/>
-        <a:ea typeface="+mj-ea"/>
-        <a:cs typeface="+mj-cs"/>
-        <a:sym typeface="Calibri"/>
+        <a:latin typeface="+mn-lt"/>
+        <a:ea typeface="+mn-ea"/>
+        <a:cs typeface="+mn-cs"/>
+        <a:sym typeface="Helvetica"/>
       </a:defRPr>
     </a:lvl6pPr>
-    <a:lvl7pPr marL="0" marR="0" indent="2743200" algn="l" defTabSz="457200" rtl="0" fontAlgn="auto" latinLnBrk="0" hangingPunct="0">
+    <a:lvl7pPr marL="0" marR="0" indent="0" algn="l" defTabSz="457200" rtl="0" fontAlgn="auto" latinLnBrk="0" hangingPunct="0">
       <a:lnSpc>
         <a:spcPct val="100000"/>
       </a:lnSpc>
@@ -267,13 +267,13 @@
         </a:solidFill>
         <a:effectLst/>
         <a:uFillTx/>
-        <a:latin typeface="+mj-lt"/>
-        <a:ea typeface="+mj-ea"/>
-        <a:cs typeface="+mj-cs"/>
-        <a:sym typeface="Calibri"/>
+        <a:latin typeface="+mn-lt"/>
+        <a:ea typeface="+mn-ea"/>
+        <a:cs typeface="+mn-cs"/>
+        <a:sym typeface="Helvetica"/>
       </a:defRPr>
     </a:lvl7pPr>
-    <a:lvl8pPr marL="0" marR="0" indent="3200400" algn="l" defTabSz="457200" rtl="0" fontAlgn="auto" latinLnBrk="0" hangingPunct="0">
+    <a:lvl8pPr marL="0" marR="0" indent="0" algn="l" defTabSz="457200" rtl="0" fontAlgn="auto" latinLnBrk="0" hangingPunct="0">
       <a:lnSpc>
         <a:spcPct val="100000"/>
       </a:lnSpc>
@@ -297,13 +297,13 @@
         </a:solidFill>
         <a:effectLst/>
         <a:uFillTx/>
-        <a:latin typeface="+mj-lt"/>
-        <a:ea typeface="+mj-ea"/>
-        <a:cs typeface="+mj-cs"/>
-        <a:sym typeface="Calibri"/>
+        <a:latin typeface="+mn-lt"/>
+        <a:ea typeface="+mn-ea"/>
+        <a:cs typeface="+mn-cs"/>
+        <a:sym typeface="Helvetica"/>
       </a:defRPr>
     </a:lvl8pPr>
-    <a:lvl9pPr marL="0" marR="0" indent="3657600" algn="l" defTabSz="457200" rtl="0" fontAlgn="auto" latinLnBrk="0" hangingPunct="0">
+    <a:lvl9pPr marL="0" marR="0" indent="0" algn="l" defTabSz="457200" rtl="0" fontAlgn="auto" latinLnBrk="0" hangingPunct="0">
       <a:lnSpc>
         <a:spcPct val="100000"/>
       </a:lnSpc>
@@ -327,10 +327,10 @@
         </a:solidFill>
         <a:effectLst/>
         <a:uFillTx/>
-        <a:latin typeface="+mj-lt"/>
-        <a:ea typeface="+mj-ea"/>
-        <a:cs typeface="+mj-cs"/>
-        <a:sym typeface="Calibri"/>
+        <a:latin typeface="+mn-lt"/>
+        <a:ea typeface="+mn-ea"/>
+        <a:cs typeface="+mn-cs"/>
+        <a:sym typeface="Helvetica"/>
       </a:defRPr>
     </a:lvl9pPr>
   </p:defaultTextStyle>
@@ -548,7 +548,7 @@
         <p:spPr>
           <a:xfrm>
             <a:off x="1143000" y="3602037"/>
-            <a:ext cx="6858000" cy="1655763"/>
+            <a:ext cx="6858000" cy="1655764"/>
           </a:xfrm>
           <a:prstGeom prst="rect">
             <a:avLst/>
@@ -563,25 +563,25 @@
               <a:buNone/>
               <a:defRPr sz="2400"/>
             </a:lvl1pPr>
-            <a:lvl2pPr marL="0" indent="457200" algn="ctr">
+            <a:lvl2pPr marL="0" indent="0" algn="ctr">
               <a:buSzTx/>
               <a:buFontTx/>
               <a:buNone/>
               <a:defRPr sz="2400"/>
             </a:lvl2pPr>
-            <a:lvl3pPr marL="0" indent="914400" algn="ctr">
+            <a:lvl3pPr marL="0" indent="0" algn="ctr">
               <a:buSzTx/>
               <a:buFontTx/>
               <a:buNone/>
               <a:defRPr sz="2400"/>
             </a:lvl3pPr>
-            <a:lvl4pPr marL="0" indent="1371600" algn="ctr">
+            <a:lvl4pPr marL="0" indent="0" algn="ctr">
               <a:buSzTx/>
               <a:buFontTx/>
               <a:buNone/>
               <a:defRPr sz="2400"/>
             </a:lvl4pPr>
-            <a:lvl5pPr marL="0" indent="1828800" algn="ctr">
+            <a:lvl5pPr marL="0" indent="0" algn="ctr">
               <a:buSzTx/>
               <a:buFontTx/>
               <a:buNone/>
@@ -1079,7 +1079,7 @@
         <p:spPr>
           <a:xfrm>
             <a:off x="623887" y="4589464"/>
-            <a:ext cx="7886701" cy="1500188"/>
+            <a:ext cx="7886701" cy="1500189"/>
           </a:xfrm>
           <a:prstGeom prst="rect">
             <a:avLst/>
@@ -1094,25 +1094,25 @@
               <a:buNone/>
               <a:defRPr sz="2400"/>
             </a:lvl1pPr>
-            <a:lvl2pPr marL="0" indent="457200">
+            <a:lvl2pPr marL="0" indent="0">
               <a:buSzTx/>
               <a:buFontTx/>
               <a:buNone/>
               <a:defRPr sz="2400"/>
             </a:lvl2pPr>
-            <a:lvl3pPr marL="0" indent="914400">
+            <a:lvl3pPr marL="0" indent="0">
               <a:buSzTx/>
               <a:buFontTx/>
               <a:buNone/>
               <a:defRPr sz="2400"/>
             </a:lvl3pPr>
-            <a:lvl4pPr marL="0" indent="1371600">
+            <a:lvl4pPr marL="0" indent="0">
               <a:buSzTx/>
               <a:buFontTx/>
               <a:buNone/>
               <a:defRPr sz="2400"/>
             </a:lvl4pPr>
-            <a:lvl5pPr marL="0" indent="1828800">
+            <a:lvl5pPr marL="0" indent="0">
               <a:buSzTx/>
               <a:buFontTx/>
               <a:buNone/>
@@ -1362,7 +1362,7 @@
         <p:spPr>
           <a:xfrm>
             <a:off x="629841" y="1681163"/>
-            <a:ext cx="3868341" cy="823913"/>
+            <a:ext cx="3868342" cy="823914"/>
           </a:xfrm>
           <a:prstGeom prst="rect">
             <a:avLst/>
@@ -1377,25 +1377,25 @@
               <a:buNone/>
               <a:defRPr b="1" sz="2400"/>
             </a:lvl1pPr>
-            <a:lvl2pPr marL="0" indent="457200">
+            <a:lvl2pPr marL="0" indent="0">
               <a:buSzTx/>
               <a:buFontTx/>
               <a:buNone/>
               <a:defRPr b="1" sz="2400"/>
             </a:lvl2pPr>
-            <a:lvl3pPr marL="0" indent="914400">
+            <a:lvl3pPr marL="0" indent="0">
               <a:buSzTx/>
               <a:buFontTx/>
               <a:buNone/>
               <a:defRPr b="1" sz="2400"/>
             </a:lvl3pPr>
-            <a:lvl4pPr marL="0" indent="1371600">
+            <a:lvl4pPr marL="0" indent="0">
               <a:buSzTx/>
               <a:buFontTx/>
               <a:buNone/>
               <a:defRPr b="1" sz="2400"/>
             </a:lvl4pPr>
-            <a:lvl5pPr marL="0" indent="1828800">
+            <a:lvl5pPr marL="0" indent="0">
               <a:buSzTx/>
               <a:buFontTx/>
               <a:buNone/>
@@ -1445,7 +1445,7 @@
         <p:spPr>
           <a:xfrm>
             <a:off x="4629149" y="1681163"/>
-            <a:ext cx="3887393" cy="823913"/>
+            <a:ext cx="3887394" cy="823914"/>
           </a:xfrm>
           <a:prstGeom prst="rect">
             <a:avLst/>
@@ -1455,12 +1455,7 @@
           <a:bodyPr anchor="b"/>
           <a:lstStyle/>
           <a:p>
-            <a:pPr marL="0" indent="0">
-              <a:buSzTx/>
-              <a:buFontTx/>
-              <a:buNone/>
-              <a:defRPr b="1" sz="2400"/>
-            </a:pPr>
+            <a:pPr/>
           </a:p>
         </p:txBody>
       </p:sp>
@@ -1675,7 +1670,7 @@
         <p:spPr>
           <a:xfrm>
             <a:off x="3887391" y="987425"/>
-            <a:ext cx="4629151" cy="4873626"/>
+            <a:ext cx="4629152" cy="4873627"/>
           </a:xfrm>
           <a:prstGeom prst="rect">
             <a:avLst/>
@@ -1742,8 +1737,8 @@
         </p:nvSpPr>
         <p:spPr>
           <a:xfrm>
-            <a:off x="629840" y="2057400"/>
-            <a:ext cx="2949180" cy="3811588"/>
+            <a:off x="629839" y="2057400"/>
+            <a:ext cx="2949182" cy="3811588"/>
           </a:xfrm>
           <a:prstGeom prst="rect">
             <a:avLst/>
@@ -1753,12 +1748,7 @@
           <a:bodyPr/>
           <a:lstStyle/>
           <a:p>
-            <a:pPr marL="0" indent="0">
-              <a:buSzTx/>
-              <a:buFontTx/>
-              <a:buNone/>
-              <a:defRPr sz="1600"/>
-            </a:pPr>
+            <a:pPr/>
           </a:p>
         </p:txBody>
       </p:sp>
@@ -1853,14 +1843,14 @@
         <p:spPr>
           <a:xfrm>
             <a:off x="3887391" y="987425"/>
-            <a:ext cx="4629151" cy="4873626"/>
-          </a:xfrm>
-          <a:prstGeom prst="rect">
-            <a:avLst/>
-          </a:prstGeom>
-        </p:spPr>
-        <p:txBody>
-          <a:bodyPr lIns="91439" rIns="91439">
+            <a:ext cx="4629152" cy="4873627"/>
+          </a:xfrm>
+          <a:prstGeom prst="rect">
+            <a:avLst/>
+          </a:prstGeom>
+        </p:spPr>
+        <p:txBody>
+          <a:bodyPr lIns="91439" tIns="45719" rIns="91439" bIns="45719">
             <a:noAutofit/>
           </a:bodyPr>
           <a:lstStyle/>
@@ -1895,25 +1885,25 @@
               <a:buNone/>
               <a:defRPr sz="1600"/>
             </a:lvl1pPr>
-            <a:lvl2pPr marL="0" indent="457200">
+            <a:lvl2pPr marL="0" indent="0">
               <a:buSzTx/>
               <a:buFontTx/>
               <a:buNone/>
               <a:defRPr sz="1600"/>
             </a:lvl2pPr>
-            <a:lvl3pPr marL="0" indent="914400">
+            <a:lvl3pPr marL="0" indent="0">
               <a:buSzTx/>
               <a:buFontTx/>
               <a:buNone/>
               <a:defRPr sz="1600"/>
             </a:lvl3pPr>
-            <a:lvl4pPr marL="0" indent="1371600">
+            <a:lvl4pPr marL="0" indent="0">
               <a:buSzTx/>
               <a:buFontTx/>
               <a:buNone/>
               <a:defRPr sz="1600"/>
             </a:lvl4pPr>
-            <a:lvl5pPr marL="0" indent="1828800">
+            <a:lvl5pPr marL="0" indent="0">
               <a:buSzTx/>
               <a:buFontTx/>
               <a:buNone/>
@@ -2033,7 +2023,7 @@
           </a:extLst>
         </p:spPr>
         <p:txBody>
-          <a:bodyPr lIns="45719" rIns="45719" anchor="ctr">
+          <a:bodyPr lIns="45718" tIns="45718" rIns="45718" bIns="45718" anchor="ctr">
             <a:normAutofit fontScale="100000" lnSpcReduction="0"/>
           </a:bodyPr>
           <a:lstStyle/>
@@ -2071,7 +2061,7 @@
           </a:extLst>
         </p:spPr>
         <p:txBody>
-          <a:bodyPr lIns="45719" rIns="45719">
+          <a:bodyPr lIns="45718" tIns="45718" rIns="45718" bIns="45718">
             <a:normAutofit fontScale="100000" lnSpcReduction="0"/>
           </a:bodyPr>
           <a:lstStyle/>
@@ -2117,8 +2107,8 @@
         </p:nvSpPr>
         <p:spPr>
           <a:xfrm>
-            <a:off x="8256726" y="6404293"/>
-            <a:ext cx="258624" cy="269241"/>
+            <a:off x="8256728" y="6404295"/>
+            <a:ext cx="258623" cy="269239"/>
           </a:xfrm>
           <a:prstGeom prst="rect">
             <a:avLst/>
@@ -2128,7 +2118,7 @@
           </a:ln>
         </p:spPr>
         <p:txBody>
-          <a:bodyPr wrap="none" lIns="45719" rIns="45719" anchor="ctr">
+          <a:bodyPr wrap="none" lIns="45718" tIns="45718" rIns="45718" bIns="45718" anchor="ctr">
             <a:spAutoFit/>
           </a:bodyPr>
           <a:lstStyle>
@@ -2137,6 +2127,10 @@
                 <a:solidFill>
                   <a:srgbClr val="888888"/>
                 </a:solidFill>
+                <a:latin typeface="+mj-lt"/>
+                <a:ea typeface="+mj-ea"/>
+                <a:cs typeface="+mj-cs"/>
+                <a:sym typeface="Calibri"/>
               </a:defRPr>
             </a:lvl1pPr>
           </a:lstStyle>
@@ -2486,7 +2480,7 @@
           <a:sym typeface="Calibri"/>
         </a:defRPr>
       </a:lvl2pPr>
-      <a:lvl3pPr marL="1234439" marR="0" indent="-320039" algn="l" defTabSz="914400" rtl="0" latinLnBrk="0">
+      <a:lvl3pPr marL="1234438" marR="0" indent="-320038" algn="l" defTabSz="914400" rtl="0" latinLnBrk="0">
         <a:lnSpc>
           <a:spcPct val="90000"/>
         </a:lnSpc>
@@ -2720,7 +2714,7 @@
           <a:sym typeface="Calibri"/>
         </a:defRPr>
       </a:lvl1pPr>
-      <a:lvl2pPr marL="0" marR="0" indent="457200" algn="r" defTabSz="457200" rtl="0" latinLnBrk="0">
+      <a:lvl2pPr marL="0" marR="0" indent="0" algn="r" defTabSz="457200" rtl="0" latinLnBrk="0">
         <a:lnSpc>
           <a:spcPct val="100000"/>
         </a:lnSpc>
@@ -2749,7 +2743,7 @@
           <a:sym typeface="Calibri"/>
         </a:defRPr>
       </a:lvl2pPr>
-      <a:lvl3pPr marL="0" marR="0" indent="914400" algn="r" defTabSz="457200" rtl="0" latinLnBrk="0">
+      <a:lvl3pPr marL="0" marR="0" indent="0" algn="r" defTabSz="457200" rtl="0" latinLnBrk="0">
         <a:lnSpc>
           <a:spcPct val="100000"/>
         </a:lnSpc>
@@ -2778,7 +2772,7 @@
           <a:sym typeface="Calibri"/>
         </a:defRPr>
       </a:lvl3pPr>
-      <a:lvl4pPr marL="0" marR="0" indent="1371600" algn="r" defTabSz="457200" rtl="0" latinLnBrk="0">
+      <a:lvl4pPr marL="0" marR="0" indent="0" algn="r" defTabSz="457200" rtl="0" latinLnBrk="0">
         <a:lnSpc>
           <a:spcPct val="100000"/>
         </a:lnSpc>
@@ -2807,7 +2801,7 @@
           <a:sym typeface="Calibri"/>
         </a:defRPr>
       </a:lvl4pPr>
-      <a:lvl5pPr marL="0" marR="0" indent="1828800" algn="r" defTabSz="457200" rtl="0" latinLnBrk="0">
+      <a:lvl5pPr marL="0" marR="0" indent="0" algn="r" defTabSz="457200" rtl="0" latinLnBrk="0">
         <a:lnSpc>
           <a:spcPct val="100000"/>
         </a:lnSpc>
@@ -2836,7 +2830,7 @@
           <a:sym typeface="Calibri"/>
         </a:defRPr>
       </a:lvl5pPr>
-      <a:lvl6pPr marL="0" marR="0" indent="2286000" algn="r" defTabSz="457200" rtl="0" latinLnBrk="0">
+      <a:lvl6pPr marL="0" marR="0" indent="0" algn="r" defTabSz="457200" rtl="0" latinLnBrk="0">
         <a:lnSpc>
           <a:spcPct val="100000"/>
         </a:lnSpc>
@@ -2865,7 +2859,7 @@
           <a:sym typeface="Calibri"/>
         </a:defRPr>
       </a:lvl6pPr>
-      <a:lvl7pPr marL="0" marR="0" indent="2743200" algn="r" defTabSz="457200" rtl="0" latinLnBrk="0">
+      <a:lvl7pPr marL="0" marR="0" indent="0" algn="r" defTabSz="457200" rtl="0" latinLnBrk="0">
         <a:lnSpc>
           <a:spcPct val="100000"/>
         </a:lnSpc>
@@ -2894,7 +2888,7 @@
           <a:sym typeface="Calibri"/>
         </a:defRPr>
       </a:lvl7pPr>
-      <a:lvl8pPr marL="0" marR="0" indent="3200400" algn="r" defTabSz="457200" rtl="0" latinLnBrk="0">
+      <a:lvl8pPr marL="0" marR="0" indent="0" algn="r" defTabSz="457200" rtl="0" latinLnBrk="0">
         <a:lnSpc>
           <a:spcPct val="100000"/>
         </a:lnSpc>
@@ -2923,7 +2917,7 @@
           <a:sym typeface="Calibri"/>
         </a:defRPr>
       </a:lvl8pPr>
-      <a:lvl9pPr marL="0" marR="0" indent="3657600" algn="r" defTabSz="457200" rtl="0" latinLnBrk="0">
+      <a:lvl9pPr marL="0" marR="0" indent="0" algn="r" defTabSz="457200" rtl="0" latinLnBrk="0">
         <a:lnSpc>
           <a:spcPct val="100000"/>
         </a:lnSpc>
@@ -2984,8 +2978,8 @@
         </p:nvSpPr>
         <p:spPr>
           <a:xfrm>
-            <a:off x="416852" y="2734184"/>
-            <a:ext cx="8520115" cy="1487488"/>
+            <a:off x="416852" y="2291542"/>
+            <a:ext cx="8520115" cy="2274916"/>
           </a:xfrm>
           <a:prstGeom prst="rect">
             <a:avLst/>
@@ -2995,8 +2989,8 @@
           <a:bodyPr/>
           <a:lstStyle/>
           <a:p>
-            <a:pPr>
-              <a:defRPr sz="2400">
+            <a:pPr defTabSz="868680">
+              <a:defRPr sz="2470">
                 <a:latin typeface="Times New Roman"/>
                 <a:ea typeface="Times New Roman"/>
                 <a:cs typeface="Times New Roman"/>
@@ -3004,13 +2998,30 @@
               </a:defRPr>
             </a:pPr>
             <a:r>
-              <a:t>Портирование веб-сервиса </a:t>
-            </a:r>
-            <a:r>
-              <a:t>DriverManager</a:t>
-            </a:r>
-            <a:r>
-              <a:t> и компонента пользовательского интерфейса системы Traccar на OSGi сервис и портлет платформы Liferay с сохранением протокола взаимодействия клиента с сервером</a:t>
+              <a:t>Курсовой проект по дисциплине Разработка программного обеспечения</a:t>
+            </a:r>
+          </a:p>
+          <a:p>
+            <a:pPr defTabSz="868680">
+              <a:defRPr sz="2470">
+                <a:latin typeface="Times New Roman"/>
+                <a:ea typeface="Times New Roman"/>
+                <a:cs typeface="Times New Roman"/>
+                <a:sym typeface="Times New Roman"/>
+              </a:defRPr>
+            </a:pPr>
+          </a:p>
+          <a:p>
+            <a:pPr defTabSz="868680">
+              <a:defRPr sz="2280">
+                <a:latin typeface="Times New Roman"/>
+                <a:ea typeface="Times New Roman"/>
+                <a:cs typeface="Times New Roman"/>
+                <a:sym typeface="Times New Roman"/>
+              </a:defRPr>
+            </a:pPr>
+            <a:r>
+              <a:t>Портирование веб-сервиса DriverManager и компонента пользовательского интерфейса системы Traccar на OSGi сервис и портлет платформы Liferay с сохранением протокола взаимодействия клиента с сервером</a:t>
             </a:r>
           </a:p>
         </p:txBody>
@@ -3025,8 +3036,8 @@
         </p:nvSpPr>
         <p:spPr>
           <a:xfrm>
-            <a:off x="6110826" y="4913595"/>
-            <a:ext cx="2662239" cy="1092201"/>
+            <a:off x="6110826" y="4775433"/>
+            <a:ext cx="2662240" cy="1617168"/>
           </a:xfrm>
           <a:prstGeom prst="rect">
             <a:avLst/>
@@ -3036,7 +3047,7 @@
           <a:bodyPr/>
           <a:lstStyle/>
           <a:p>
-            <a:pPr>
+            <a:pPr algn="l">
               <a:spcBef>
                 <a:spcPts val="0"/>
               </a:spcBef>
@@ -3051,11 +3062,11 @@
               </a:defRPr>
             </a:pPr>
             <a:r>
-              <a:t>Подготовил:</a:t>
-            </a:r>
-          </a:p>
-          <a:p>
-            <a:pPr>
+              <a:t>Подготовила:</a:t>
+            </a:r>
+          </a:p>
+          <a:p>
+            <a:pPr algn="l">
               <a:spcBef>
                 <a:spcPts val="0"/>
               </a:spcBef>
@@ -3074,7 +3085,7 @@
             </a:r>
           </a:p>
           <a:p>
-            <a:pPr>
+            <a:pPr algn="l">
               <a:spcBef>
                 <a:spcPts val="0"/>
               </a:spcBef>
@@ -3092,6 +3103,60 @@
               <a:t>группа ИУ3-71</a:t>
             </a:r>
           </a:p>
+          <a:p>
+            <a:pPr algn="l">
+              <a:spcBef>
+                <a:spcPts val="0"/>
+              </a:spcBef>
+              <a:defRPr sz="1800">
+                <a:solidFill>
+                  <a:srgbClr val="595959"/>
+                </a:solidFill>
+                <a:latin typeface="Times New Roman"/>
+                <a:ea typeface="Times New Roman"/>
+                <a:cs typeface="Times New Roman"/>
+                <a:sym typeface="Times New Roman"/>
+              </a:defRPr>
+            </a:pPr>
+          </a:p>
+          <a:p>
+            <a:pPr algn="l">
+              <a:spcBef>
+                <a:spcPts val="0"/>
+              </a:spcBef>
+              <a:defRPr sz="1800">
+                <a:solidFill>
+                  <a:srgbClr val="595959"/>
+                </a:solidFill>
+                <a:latin typeface="Times New Roman"/>
+                <a:ea typeface="Times New Roman"/>
+                <a:cs typeface="Times New Roman"/>
+                <a:sym typeface="Times New Roman"/>
+              </a:defRPr>
+            </a:pPr>
+            <a:r>
+              <a:t>Руководитель:</a:t>
+            </a:r>
+          </a:p>
+          <a:p>
+            <a:pPr algn="l">
+              <a:spcBef>
+                <a:spcPts val="0"/>
+              </a:spcBef>
+              <a:defRPr sz="1800">
+                <a:solidFill>
+                  <a:srgbClr val="595959"/>
+                </a:solidFill>
+                <a:latin typeface="Times New Roman"/>
+                <a:ea typeface="Times New Roman"/>
+                <a:cs typeface="Times New Roman"/>
+                <a:sym typeface="Times New Roman"/>
+              </a:defRPr>
+            </a:pPr>
+            <a:r>
+              <a:t>Иванов А.М.</a:t>
+            </a:r>
+          </a:p>
         </p:txBody>
       </p:sp>
       <p:sp>
@@ -3102,8 +3167,8 @@
         </p:nvSpPr>
         <p:spPr>
           <a:xfrm>
-            <a:off x="690097" y="475914"/>
-            <a:ext cx="8783639" cy="706540"/>
+            <a:off x="690096" y="475914"/>
+            <a:ext cx="8783641" cy="706537"/>
           </a:xfrm>
           <a:prstGeom prst="rect">
             <a:avLst/>
@@ -3118,7 +3183,7 @@
           </a:extLst>
         </p:spPr>
         <p:txBody>
-          <a:bodyPr lIns="91424" tIns="91424" rIns="91424" bIns="91424" anchor="ctr">
+          <a:bodyPr lIns="91423" tIns="91423" rIns="91423" bIns="91423" anchor="ctr">
             <a:spAutoFit/>
           </a:bodyPr>
           <a:lstStyle/>
@@ -3158,8 +3223,8 @@
         </p:nvSpPr>
         <p:spPr>
           <a:xfrm>
-            <a:off x="329735" y="1109328"/>
-            <a:ext cx="9144001" cy="973239"/>
+            <a:off x="329735" y="1109326"/>
+            <a:ext cx="9144001" cy="973238"/>
           </a:xfrm>
           <a:prstGeom prst="rect">
             <a:avLst/>
@@ -3174,7 +3239,7 @@
           </a:extLst>
         </p:spPr>
         <p:txBody>
-          <a:bodyPr lIns="91424" tIns="91424" rIns="91424" bIns="91424" anchor="ctr">
+          <a:bodyPr lIns="91423" tIns="91423" rIns="91423" bIns="91423" anchor="ctr">
             <a:spAutoFit/>
           </a:bodyPr>
           <a:lstStyle/>
@@ -3285,7 +3350,7 @@
         <p:spPr>
           <a:xfrm>
             <a:off x="490626" y="297204"/>
-            <a:ext cx="7886701" cy="767665"/>
+            <a:ext cx="7886701" cy="767664"/>
           </a:xfrm>
           <a:prstGeom prst="rect">
             <a:avLst/>
@@ -3316,13 +3381,13 @@
           <p:cNvPr id="151" name="Номер слайда 3"/>
           <p:cNvSpPr txBox="1"/>
           <p:nvPr>
-            <p:ph type="sldNum" sz="quarter" idx="2"/>
+            <p:ph type="sldNum" sz="quarter" idx="4294967295"/>
           </p:nvPr>
         </p:nvSpPr>
         <p:spPr>
           <a:xfrm>
             <a:off x="8256726" y="6404293"/>
-            <a:ext cx="258624" cy="269241"/>
+            <a:ext cx="258622" cy="269239"/>
           </a:xfrm>
           <a:prstGeom prst="rect">
             <a:avLst/>
@@ -3360,8 +3425,8 @@
         </p:blipFill>
         <p:spPr>
           <a:xfrm>
-            <a:off x="826987" y="1321115"/>
-            <a:ext cx="7886701" cy="4515605"/>
+            <a:off x="16570" y="932334"/>
+            <a:ext cx="9110861" cy="5216511"/>
           </a:xfrm>
           <a:prstGeom prst="rect">
             <a:avLst/>
@@ -3407,8 +3472,8 @@
         </p:nvSpPr>
         <p:spPr>
           <a:xfrm>
-            <a:off x="2988660" y="386866"/>
-            <a:ext cx="3555162" cy="851200"/>
+            <a:off x="2988659" y="386866"/>
+            <a:ext cx="3555164" cy="851200"/>
           </a:xfrm>
           <a:prstGeom prst="rect">
             <a:avLst/>
@@ -3416,21 +3481,20 @@
         </p:spPr>
         <p:txBody>
           <a:bodyPr/>
-          <a:lstStyle/>
-          <a:p>
-            <a:pPr>
+          <a:lstStyle>
+            <a:lvl1pPr>
               <a:defRPr sz="2800">
                 <a:latin typeface="Times New Roman"/>
                 <a:ea typeface="Times New Roman"/>
                 <a:cs typeface="Times New Roman"/>
                 <a:sym typeface="Times New Roman"/>
               </a:defRPr>
-            </a:pPr>
-            <a:r>
-              <a:t>Структура </a:t>
-            </a:r>
-            <a:r>
-              <a:t>service.xml</a:t>
+            </a:lvl1pPr>
+          </a:lstStyle>
+          <a:p>
+            <a:pPr/>
+            <a:r>
+              <a:t>Структура service.xml</a:t>
             </a:r>
           </a:p>
         </p:txBody>
@@ -3440,13 +3504,13 @@
           <p:cNvPr id="155" name="Номер слайда 3"/>
           <p:cNvSpPr txBox="1"/>
           <p:nvPr>
-            <p:ph type="sldNum" sz="quarter" idx="2"/>
+            <p:ph type="sldNum" sz="quarter" idx="4294967295"/>
           </p:nvPr>
         </p:nvSpPr>
         <p:spPr>
           <a:xfrm>
             <a:off x="8256726" y="6404293"/>
-            <a:ext cx="258624" cy="269241"/>
+            <a:ext cx="258622" cy="269239"/>
           </a:xfrm>
           <a:prstGeom prst="rect">
             <a:avLst/>
@@ -3484,8 +3548,8 @@
         </p:blipFill>
         <p:spPr>
           <a:xfrm>
-            <a:off x="942794" y="1315461"/>
-            <a:ext cx="7026295" cy="4900336"/>
+            <a:off x="716966" y="1315460"/>
+            <a:ext cx="7454622" cy="5199064"/>
           </a:xfrm>
           <a:prstGeom prst="rect">
             <a:avLst/>
@@ -3531,8 +3595,8 @@
         </p:nvSpPr>
         <p:spPr>
           <a:xfrm>
-            <a:off x="490626" y="244357"/>
-            <a:ext cx="7886701" cy="721804"/>
+            <a:off x="490626" y="244358"/>
+            <a:ext cx="7886701" cy="721803"/>
           </a:xfrm>
           <a:prstGeom prst="rect">
             <a:avLst/>
@@ -3563,13 +3627,13 @@
           <p:cNvPr id="159" name="Номер слайда 3"/>
           <p:cNvSpPr txBox="1"/>
           <p:nvPr>
-            <p:ph type="sldNum" sz="quarter" idx="2"/>
+            <p:ph type="sldNum" sz="quarter" idx="4294967295"/>
           </p:nvPr>
         </p:nvSpPr>
         <p:spPr>
           <a:xfrm>
             <a:off x="8256726" y="6404293"/>
-            <a:ext cx="258624" cy="269241"/>
+            <a:ext cx="258622" cy="269239"/>
           </a:xfrm>
           <a:prstGeom prst="rect">
             <a:avLst/>
@@ -3607,8 +3671,8 @@
         </p:blipFill>
         <p:spPr>
           <a:xfrm>
-            <a:off x="787496" y="1147983"/>
-            <a:ext cx="7569008" cy="4562034"/>
+            <a:off x="38718" y="827071"/>
+            <a:ext cx="9273607" cy="5589439"/>
           </a:xfrm>
           <a:prstGeom prst="rect">
             <a:avLst/>
@@ -3654,8 +3718,8 @@
         </p:nvSpPr>
         <p:spPr>
           <a:xfrm>
-            <a:off x="5560262" y="136523"/>
-            <a:ext cx="1795374" cy="773563"/>
+            <a:off x="5560262" y="136522"/>
+            <a:ext cx="1795375" cy="773565"/>
           </a:xfrm>
           <a:prstGeom prst="rect">
             <a:avLst/>
@@ -3686,13 +3750,13 @@
           <p:cNvPr id="163" name="Номер слайда 3"/>
           <p:cNvSpPr txBox="1"/>
           <p:nvPr>
-            <p:ph type="sldNum" sz="quarter" idx="2"/>
+            <p:ph type="sldNum" sz="quarter" idx="4294967295"/>
           </p:nvPr>
         </p:nvSpPr>
         <p:spPr>
           <a:xfrm>
             <a:off x="8256726" y="6404293"/>
-            <a:ext cx="258624" cy="269241"/>
+            <a:ext cx="258622" cy="269239"/>
           </a:xfrm>
           <a:prstGeom prst="rect">
             <a:avLst/>
@@ -3720,10 +3784,10 @@
         </p:nvGrpSpPr>
         <p:grpSpPr>
           <a:xfrm>
-            <a:off x="233249" y="212115"/>
-            <a:ext cx="3614133" cy="6433771"/>
+            <a:off x="150048" y="115632"/>
+            <a:ext cx="3722532" cy="6626737"/>
             <a:chOff x="0" y="0"/>
-            <a:chExt cx="3614132" cy="6433770"/>
+            <a:chExt cx="3722530" cy="6626735"/>
           </a:xfrm>
         </p:grpSpPr>
         <p:pic>
@@ -3744,8 +3808,8 @@
           </p:blipFill>
           <p:spPr>
             <a:xfrm>
-              <a:off x="0" y="0"/>
-              <a:ext cx="3562375" cy="6433771"/>
+              <a:off x="-1" y="-1"/>
+              <a:ext cx="3669222" cy="6626737"/>
             </a:xfrm>
             <a:prstGeom prst="rect">
               <a:avLst/>
@@ -3765,8 +3829,8 @@
           </p:nvSpPr>
           <p:spPr>
             <a:xfrm>
-              <a:off x="77470" y="2929947"/>
-              <a:ext cx="3536663" cy="1"/>
+              <a:off x="79793" y="3017823"/>
+              <a:ext cx="3642738" cy="2"/>
             </a:xfrm>
             <a:prstGeom prst="line">
               <a:avLst/>
@@ -3782,7 +3846,7 @@
             <a:effectLst/>
           </p:spPr>
           <p:txBody>
-            <a:bodyPr wrap="square" lIns="45719" tIns="45719" rIns="45719" bIns="45719" numCol="1" anchor="t">
+            <a:bodyPr wrap="square" lIns="45718" tIns="45718" rIns="45718" bIns="45718" numCol="1" anchor="t">
               <a:noAutofit/>
             </a:bodyPr>
             <a:lstStyle/>
@@ -3799,8 +3863,8 @@
           </p:nvSpPr>
           <p:spPr>
             <a:xfrm>
-              <a:off x="77470" y="2547509"/>
-              <a:ext cx="3536663" cy="1"/>
+              <a:off x="79793" y="2623914"/>
+              <a:ext cx="3642738" cy="2"/>
             </a:xfrm>
             <a:prstGeom prst="line">
               <a:avLst/>
@@ -3816,7 +3880,7 @@
             <a:effectLst/>
           </p:spPr>
           <p:txBody>
-            <a:bodyPr wrap="square" lIns="45719" tIns="45719" rIns="45719" bIns="45719" numCol="1" anchor="t">
+            <a:bodyPr wrap="square" lIns="45718" tIns="45718" rIns="45718" bIns="45718" numCol="1" anchor="t">
               <a:noAutofit/>
             </a:bodyPr>
             <a:lstStyle/>
@@ -3833,8 +3897,8 @@
           </p:nvSpPr>
           <p:spPr>
             <a:xfrm>
-              <a:off x="77470" y="3910483"/>
-              <a:ext cx="3536663" cy="1"/>
+              <a:off x="79793" y="4027767"/>
+              <a:ext cx="3642738" cy="2"/>
             </a:xfrm>
             <a:prstGeom prst="line">
               <a:avLst/>
@@ -3850,7 +3914,7 @@
             <a:effectLst/>
           </p:spPr>
           <p:txBody>
-            <a:bodyPr wrap="square" lIns="45719" tIns="45719" rIns="45719" bIns="45719" numCol="1" anchor="t">
+            <a:bodyPr wrap="square" lIns="45718" tIns="45718" rIns="45718" bIns="45718" numCol="1" anchor="t">
               <a:noAutofit/>
             </a:bodyPr>
             <a:lstStyle/>
@@ -3867,8 +3931,8 @@
           </p:nvSpPr>
           <p:spPr>
             <a:xfrm>
-              <a:off x="77470" y="4126143"/>
-              <a:ext cx="3536663" cy="1"/>
+              <a:off x="79793" y="4249896"/>
+              <a:ext cx="3642738" cy="2"/>
             </a:xfrm>
             <a:prstGeom prst="line">
               <a:avLst/>
@@ -3884,7 +3948,7 @@
             <a:effectLst/>
           </p:spPr>
           <p:txBody>
-            <a:bodyPr wrap="square" lIns="45719" tIns="45719" rIns="45719" bIns="45719" numCol="1" anchor="t">
+            <a:bodyPr wrap="square" lIns="45718" tIns="45718" rIns="45718" bIns="45718" numCol="1" anchor="t">
               <a:noAutofit/>
             </a:bodyPr>
             <a:lstStyle/>
@@ -3901,8 +3965,8 @@
           </p:nvSpPr>
           <p:spPr>
             <a:xfrm>
-              <a:off x="77470" y="4315924"/>
-              <a:ext cx="3536663" cy="1"/>
+              <a:off x="79793" y="4445369"/>
+              <a:ext cx="3642738" cy="2"/>
             </a:xfrm>
             <a:prstGeom prst="line">
               <a:avLst/>
@@ -3918,7 +3982,7 @@
             <a:effectLst/>
           </p:spPr>
           <p:txBody>
-            <a:bodyPr wrap="square" lIns="45719" tIns="45719" rIns="45719" bIns="45719" numCol="1" anchor="t">
+            <a:bodyPr wrap="square" lIns="45718" tIns="45718" rIns="45718" bIns="45718" numCol="1" anchor="t">
               <a:noAutofit/>
             </a:bodyPr>
             <a:lstStyle/>
@@ -3935,8 +3999,8 @@
           </p:nvSpPr>
           <p:spPr>
             <a:xfrm>
-              <a:off x="77470" y="4712739"/>
-              <a:ext cx="3536663" cy="1"/>
+              <a:off x="79793" y="4854085"/>
+              <a:ext cx="3642738" cy="2"/>
             </a:xfrm>
             <a:prstGeom prst="line">
               <a:avLst/>
@@ -3952,7 +4016,7 @@
             <a:effectLst/>
           </p:spPr>
           <p:txBody>
-            <a:bodyPr wrap="square" lIns="45719" tIns="45719" rIns="45719" bIns="45719" numCol="1" anchor="t">
+            <a:bodyPr wrap="square" lIns="45718" tIns="45718" rIns="45718" bIns="45718" numCol="1" anchor="t">
               <a:noAutofit/>
             </a:bodyPr>
             <a:lstStyle/>
@@ -3969,8 +4033,8 @@
           </p:nvSpPr>
           <p:spPr>
             <a:xfrm>
-              <a:off x="77470" y="5903185"/>
-              <a:ext cx="3536663" cy="1"/>
+              <a:off x="79793" y="6080236"/>
+              <a:ext cx="3642738" cy="2"/>
             </a:xfrm>
             <a:prstGeom prst="line">
               <a:avLst/>
@@ -3986,7 +4050,7 @@
             <a:effectLst/>
           </p:spPr>
           <p:txBody>
-            <a:bodyPr wrap="square" lIns="45719" tIns="45719" rIns="45719" bIns="45719" numCol="1" anchor="t">
+            <a:bodyPr wrap="square" lIns="45718" tIns="45718" rIns="45718" bIns="45718" numCol="1" anchor="t">
               <a:noAutofit/>
             </a:bodyPr>
             <a:lstStyle/>
@@ -4006,8 +4070,8 @@
         </p:nvSpPr>
         <p:spPr>
           <a:xfrm>
-            <a:off x="4442603" y="1627216"/>
-            <a:ext cx="4198370" cy="3410604"/>
+            <a:off x="4442604" y="1627215"/>
+            <a:ext cx="4198369" cy="3410606"/>
           </a:xfrm>
           <a:prstGeom prst="rect">
             <a:avLst/>
@@ -4072,7 +4136,7 @@
         <p:spPr>
           <a:xfrm>
             <a:off x="349975" y="258057"/>
-            <a:ext cx="7886701" cy="845958"/>
+            <a:ext cx="7886701" cy="845957"/>
           </a:xfrm>
           <a:prstGeom prst="rect">
             <a:avLst/>
@@ -4103,13 +4167,13 @@
           <p:cNvPr id="176" name="Номер слайда 3"/>
           <p:cNvSpPr txBox="1"/>
           <p:nvPr>
-            <p:ph type="sldNum" sz="quarter" idx="2"/>
+            <p:ph type="sldNum" sz="quarter" idx="4294967295"/>
           </p:nvPr>
         </p:nvSpPr>
         <p:spPr>
           <a:xfrm>
             <a:off x="8256726" y="6404293"/>
-            <a:ext cx="258624" cy="269241"/>
+            <a:ext cx="258622" cy="269239"/>
           </a:xfrm>
           <a:prstGeom prst="rect">
             <a:avLst/>
@@ -4186,8 +4250,8 @@
         </p:blipFill>
         <p:spPr>
           <a:xfrm>
-            <a:off x="531684" y="1847917"/>
-            <a:ext cx="7294179" cy="3946420"/>
+            <a:off x="163229" y="1729060"/>
+            <a:ext cx="8617434" cy="4662349"/>
           </a:xfrm>
           <a:prstGeom prst="rect">
             <a:avLst/>
@@ -4265,13 +4329,13 @@
           <p:cNvPr id="181" name="Номер слайда 3"/>
           <p:cNvSpPr txBox="1"/>
           <p:nvPr>
-            <p:ph type="sldNum" sz="quarter" idx="2"/>
+            <p:ph type="sldNum" sz="quarter" idx="4294967295"/>
           </p:nvPr>
         </p:nvSpPr>
         <p:spPr>
           <a:xfrm>
             <a:off x="8256726" y="6404293"/>
-            <a:ext cx="258624" cy="269241"/>
+            <a:ext cx="258622" cy="269239"/>
           </a:xfrm>
           <a:prstGeom prst="rect">
             <a:avLst/>
@@ -4309,8 +4373,8 @@
         </p:blipFill>
         <p:spPr>
           <a:xfrm>
-            <a:off x="1638665" y="1097818"/>
-            <a:ext cx="6104250" cy="5000042"/>
+            <a:off x="1045142" y="893322"/>
+            <a:ext cx="7053715" cy="5777756"/>
           </a:xfrm>
           <a:prstGeom prst="rect">
             <a:avLst/>
@@ -4357,7 +4421,7 @@
         <p:spPr>
           <a:xfrm>
             <a:off x="628650" y="310604"/>
-            <a:ext cx="7886700" cy="740865"/>
+            <a:ext cx="7886700" cy="740866"/>
           </a:xfrm>
           <a:prstGeom prst="rect">
             <a:avLst/>
@@ -4394,7 +4458,7 @@
         <p:spPr>
           <a:xfrm>
             <a:off x="628650" y="1051467"/>
-            <a:ext cx="7886700" cy="516743"/>
+            <a:ext cx="7886700" cy="516744"/>
           </a:xfrm>
           <a:prstGeom prst="rect">
             <a:avLst/>
@@ -4427,13 +4491,13 @@
           <p:cNvPr id="186" name="Номер слайда 3"/>
           <p:cNvSpPr txBox="1"/>
           <p:nvPr>
-            <p:ph type="sldNum" sz="quarter" idx="2"/>
+            <p:ph type="sldNum" sz="quarter" idx="4294967295"/>
           </p:nvPr>
         </p:nvSpPr>
         <p:spPr>
           <a:xfrm>
             <a:off x="8256726" y="6404293"/>
-            <a:ext cx="258624" cy="269241"/>
+            <a:ext cx="258622" cy="269239"/>
           </a:xfrm>
           <a:prstGeom prst="rect">
             <a:avLst/>
@@ -4471,8 +4535,8 @@
         </p:blipFill>
         <p:spPr>
           <a:xfrm>
-            <a:off x="609698" y="1888250"/>
-            <a:ext cx="7886701" cy="2801118"/>
+            <a:off x="98617" y="1733737"/>
+            <a:ext cx="8946767" cy="3177621"/>
           </a:xfrm>
           <a:prstGeom prst="rect">
             <a:avLst/>
@@ -4513,13 +4577,13 @@
           <p:cNvPr id="189" name="Номер слайда 3"/>
           <p:cNvSpPr txBox="1"/>
           <p:nvPr>
-            <p:ph type="sldNum" sz="quarter" idx="2"/>
+            <p:ph type="sldNum" sz="quarter" idx="4294967295"/>
           </p:nvPr>
         </p:nvSpPr>
         <p:spPr>
           <a:xfrm>
             <a:off x="8256726" y="6404293"/>
-            <a:ext cx="258624" cy="269241"/>
+            <a:ext cx="258622" cy="269239"/>
           </a:xfrm>
           <a:prstGeom prst="rect">
             <a:avLst/>
@@ -4550,7 +4614,7 @@
         <p:spPr>
           <a:xfrm>
             <a:off x="628650" y="310604"/>
-            <a:ext cx="7886700" cy="740865"/>
+            <a:ext cx="7886700" cy="740866"/>
           </a:xfrm>
           <a:prstGeom prst="rect">
             <a:avLst/>
@@ -4587,7 +4651,7 @@
         <p:spPr>
           <a:xfrm>
             <a:off x="628650" y="1051467"/>
-            <a:ext cx="7886700" cy="516743"/>
+            <a:ext cx="7886700" cy="516744"/>
           </a:xfrm>
           <a:prstGeom prst="rect">
             <a:avLst/>
@@ -4633,8 +4697,8 @@
         </p:blipFill>
         <p:spPr>
           <a:xfrm>
-            <a:off x="1152683" y="1846159"/>
-            <a:ext cx="3870128" cy="3813074"/>
+            <a:off x="2162960" y="1774844"/>
+            <a:ext cx="4590058" cy="4522392"/>
           </a:xfrm>
           <a:prstGeom prst="rect">
             <a:avLst/>
@@ -4675,13 +4739,13 @@
           <p:cNvPr id="194" name="Номер слайда 3"/>
           <p:cNvSpPr txBox="1"/>
           <p:nvPr>
-            <p:ph type="sldNum" sz="quarter" idx="2"/>
+            <p:ph type="sldNum" sz="quarter" idx="4294967295"/>
           </p:nvPr>
         </p:nvSpPr>
         <p:spPr>
           <a:xfrm>
             <a:off x="8256726" y="6404293"/>
-            <a:ext cx="258624" cy="269241"/>
+            <a:ext cx="258622" cy="269239"/>
           </a:xfrm>
           <a:prstGeom prst="rect">
             <a:avLst/>
@@ -4712,7 +4776,7 @@
         <p:spPr>
           <a:xfrm>
             <a:off x="628650" y="310604"/>
-            <a:ext cx="7886700" cy="740865"/>
+            <a:ext cx="7886700" cy="740866"/>
           </a:xfrm>
           <a:prstGeom prst="rect">
             <a:avLst/>
@@ -4747,7 +4811,7 @@
         <p:spPr>
           <a:xfrm>
             <a:off x="628650" y="1051467"/>
-            <a:ext cx="7886700" cy="516743"/>
+            <a:ext cx="7886700" cy="516744"/>
           </a:xfrm>
           <a:prstGeom prst="rect">
             <a:avLst/>
@@ -4762,7 +4826,7 @@
           </a:extLst>
         </p:spPr>
         <p:txBody>
-          <a:bodyPr lIns="45719" rIns="45719">
+          <a:bodyPr lIns="45718" tIns="45718" rIns="45718" bIns="45718">
             <a:normAutofit fontScale="100000" lnSpcReduction="0"/>
           </a:bodyPr>
           <a:lstStyle>
@@ -4807,8 +4871,8 @@
         </p:blipFill>
         <p:spPr>
           <a:xfrm>
-            <a:off x="615759" y="1815579"/>
-            <a:ext cx="7785019" cy="3027850"/>
+            <a:off x="39146" y="1601637"/>
+            <a:ext cx="9065708" cy="3525953"/>
           </a:xfrm>
           <a:prstGeom prst="rect">
             <a:avLst/>
@@ -4849,13 +4913,13 @@
           <p:cNvPr id="199" name="Номер слайда 3"/>
           <p:cNvSpPr txBox="1"/>
           <p:nvPr>
-            <p:ph type="sldNum" sz="quarter" idx="2"/>
+            <p:ph type="sldNum" sz="quarter" idx="4294967295"/>
           </p:nvPr>
         </p:nvSpPr>
         <p:spPr>
           <a:xfrm>
             <a:off x="8256726" y="6404293"/>
-            <a:ext cx="258624" cy="269241"/>
+            <a:ext cx="258622" cy="269239"/>
           </a:xfrm>
           <a:prstGeom prst="rect">
             <a:avLst/>
@@ -4886,7 +4950,7 @@
         <p:spPr>
           <a:xfrm>
             <a:off x="628650" y="310604"/>
-            <a:ext cx="7886700" cy="740865"/>
+            <a:ext cx="7886700" cy="740866"/>
           </a:xfrm>
           <a:prstGeom prst="rect">
             <a:avLst/>
@@ -4923,7 +4987,7 @@
         <p:spPr>
           <a:xfrm>
             <a:off x="628650" y="1051467"/>
-            <a:ext cx="7886700" cy="516743"/>
+            <a:ext cx="7886700" cy="516744"/>
           </a:xfrm>
           <a:prstGeom prst="rect">
             <a:avLst/>
@@ -4931,9 +4995,8 @@
         </p:spPr>
         <p:txBody>
           <a:bodyPr/>
-          <a:lstStyle/>
-          <a:p>
-            <a:pPr marL="0" indent="0">
+          <a:lstStyle>
+            <a:lvl1pPr marL="0" indent="0">
               <a:buSzTx/>
               <a:buNone/>
               <a:defRPr sz="2400">
@@ -4942,12 +5005,12 @@
                 <a:cs typeface="Times New Roman"/>
                 <a:sym typeface="Times New Roman"/>
               </a:defRPr>
-            </a:pPr>
-            <a:r>
-              <a:t>Проверка уникальности первичного ключа </a:t>
-            </a:r>
-            <a:r>
-              <a:t>deviceId</a:t>
+            </a:lvl1pPr>
+          </a:lstStyle>
+          <a:p>
+            <a:pPr/>
+            <a:r>
+              <a:t>Проверка уникальности первичного ключа deviceId</a:t>
             </a:r>
           </a:p>
         </p:txBody>
@@ -4970,8 +5033,8 @@
         </p:blipFill>
         <p:spPr>
           <a:xfrm>
-            <a:off x="2722444" y="1743755"/>
-            <a:ext cx="3699112" cy="3370490"/>
+            <a:off x="2009307" y="1755641"/>
+            <a:ext cx="4785861" cy="4360694"/>
           </a:xfrm>
           <a:prstGeom prst="rect">
             <a:avLst/>
@@ -5052,8 +5115,8 @@
         </p:nvSpPr>
         <p:spPr>
           <a:xfrm>
-            <a:off x="409515" y="812572"/>
-            <a:ext cx="8521701" cy="5703035"/>
+            <a:off x="409515" y="812571"/>
+            <a:ext cx="8521701" cy="5046535"/>
           </a:xfrm>
           <a:prstGeom prst="rect">
             <a:avLst/>
@@ -5068,7 +5131,7 @@
           </a:extLst>
         </p:spPr>
         <p:txBody>
-          <a:bodyPr lIns="45719" rIns="45719">
+          <a:bodyPr lIns="45718" tIns="45718" rIns="45718" bIns="45718">
             <a:spAutoFit/>
           </a:bodyPr>
           <a:lstStyle/>
@@ -5085,16 +5148,7 @@
               </a:defRPr>
             </a:pPr>
             <a:r>
-              <a:t>Портирование веб-сервиса </a:t>
-            </a:r>
-            <a:r>
-              <a:t>DeviceManager</a:t>
-            </a:r>
-            <a:r>
-              <a:t> и компонента пользовательского интерфейса системы Traccar на OSGi сервис и портлет платформы Liferay с сохранением протокола взаимодействия клиента с сервером</a:t>
-            </a:r>
-            <a:r>
-              <a:t>:</a:t>
+              <a:t>Портирование веб-сервиса DriverManager и компонента пользовательского интерфейса системы Traccar на OSGi сервис и портлет платформы Liferay с сохранением протокола взаимодействия клиента с сервером:</a:t>
             </a:r>
             <a:endParaRPr sz="2800"/>
           </a:p>
@@ -5140,10 +5194,7 @@
               </a:defRPr>
             </a:pPr>
             <a:r>
-              <a:t>спроектировать интерфейс компонента</a:t>
-            </a:r>
-            <a:r>
-              <a:t>;</a:t>
+              <a:t>спроектировать интерфейс компонента;</a:t>
             </a:r>
           </a:p>
           <a:p>
@@ -5211,10 +5262,7 @@
               </a:defRPr>
             </a:pPr>
             <a:r>
-              <a:t>провести тестирование</a:t>
-            </a:r>
-            <a:r>
-              <a:t>;</a:t>
+              <a:t>провести тестирование;</a:t>
             </a:r>
           </a:p>
           <a:p>
@@ -5284,7 +5332,6 @@
             <a:r>
               <a:t>обработка событий GUI и отправка команд;</a:t>
             </a:r>
-            <a:endParaRPr sz="2800"/>
           </a:p>
         </p:txBody>
       </p:sp>
@@ -5293,13 +5340,13 @@
           <p:cNvPr id="120" name="Номер слайда 6"/>
           <p:cNvSpPr txBox="1"/>
           <p:nvPr>
-            <p:ph type="sldNum" sz="quarter" idx="2"/>
+            <p:ph type="sldNum" sz="quarter" idx="4294967295"/>
           </p:nvPr>
         </p:nvSpPr>
         <p:spPr>
           <a:xfrm>
             <a:off x="8333968" y="6404293"/>
-            <a:ext cx="181382" cy="269241"/>
+            <a:ext cx="181380" cy="269239"/>
           </a:xfrm>
           <a:prstGeom prst="rect">
             <a:avLst/>
@@ -5350,13 +5397,13 @@
           <p:cNvPr id="204" name="Номер слайда 3"/>
           <p:cNvSpPr txBox="1"/>
           <p:nvPr>
-            <p:ph type="sldNum" sz="quarter" idx="2"/>
+            <p:ph type="sldNum" sz="quarter" idx="4294967295"/>
           </p:nvPr>
         </p:nvSpPr>
         <p:spPr>
           <a:xfrm>
             <a:off x="8256726" y="6404293"/>
-            <a:ext cx="258624" cy="269241"/>
+            <a:ext cx="258622" cy="269239"/>
           </a:xfrm>
           <a:prstGeom prst="rect">
             <a:avLst/>
@@ -5387,7 +5434,7 @@
         <p:spPr>
           <a:xfrm>
             <a:off x="628650" y="310604"/>
-            <a:ext cx="7886700" cy="740865"/>
+            <a:ext cx="7886700" cy="740866"/>
           </a:xfrm>
           <a:prstGeom prst="rect">
             <a:avLst/>
@@ -5395,21 +5442,20 @@
         </p:spPr>
         <p:txBody>
           <a:bodyPr/>
-          <a:lstStyle/>
-          <a:p>
-            <a:pPr>
+          <a:lstStyle>
+            <a:lvl1pPr>
               <a:defRPr sz="2800">
                 <a:latin typeface="Times New Roman"/>
                 <a:ea typeface="Times New Roman"/>
                 <a:cs typeface="Times New Roman"/>
                 <a:sym typeface="Times New Roman"/>
               </a:defRPr>
-            </a:pPr>
-            <a:r>
-              <a:t>Тестирование системы </a:t>
-            </a:r>
-            <a:r>
-              <a:t>5</a:t>
+            </a:lvl1pPr>
+          </a:lstStyle>
+          <a:p>
+            <a:pPr/>
+            <a:r>
+              <a:t>Тестирование системы 5</a:t>
             </a:r>
           </a:p>
         </p:txBody>
@@ -5425,7 +5471,7 @@
         <p:spPr>
           <a:xfrm>
             <a:off x="628650" y="1051467"/>
-            <a:ext cx="7886700" cy="516743"/>
+            <a:ext cx="7886700" cy="516744"/>
           </a:xfrm>
           <a:prstGeom prst="rect">
             <a:avLst/>
@@ -5433,9 +5479,8 @@
         </p:spPr>
         <p:txBody>
           <a:bodyPr/>
-          <a:lstStyle/>
-          <a:p>
-            <a:pPr marL="0" indent="0">
+          <a:lstStyle>
+            <a:lvl1pPr marL="0" indent="0">
               <a:buSzTx/>
               <a:buNone/>
               <a:defRPr sz="2400">
@@ -5444,12 +5489,12 @@
                 <a:cs typeface="Times New Roman"/>
                 <a:sym typeface="Times New Roman"/>
               </a:defRPr>
-            </a:pPr>
-            <a:r>
-              <a:t>Проверка уникальности первичного ключа </a:t>
-            </a:r>
-            <a:r>
-              <a:t>deviceId</a:t>
+            </a:lvl1pPr>
+          </a:lstStyle>
+          <a:p>
+            <a:pPr/>
+            <a:r>
+              <a:t>Проверка уникальности первичного ключа deviceId</a:t>
             </a:r>
           </a:p>
         </p:txBody>
@@ -5472,8 +5517,8 @@
         </p:blipFill>
         <p:spPr>
           <a:xfrm>
-            <a:off x="578296" y="1690622"/>
-            <a:ext cx="7987408" cy="3106566"/>
+            <a:off x="79099" y="1536109"/>
+            <a:ext cx="8985802" cy="3494874"/>
           </a:xfrm>
           <a:prstGeom prst="rect">
             <a:avLst/>
@@ -5514,13 +5559,13 @@
           <p:cNvPr id="209" name="Номер слайда 3"/>
           <p:cNvSpPr txBox="1"/>
           <p:nvPr>
-            <p:ph type="sldNum" sz="quarter" idx="2"/>
+            <p:ph type="sldNum" sz="quarter" idx="4294967295"/>
           </p:nvPr>
         </p:nvSpPr>
         <p:spPr>
           <a:xfrm>
             <a:off x="8256726" y="6404293"/>
-            <a:ext cx="258624" cy="269241"/>
+            <a:ext cx="258622" cy="269239"/>
           </a:xfrm>
           <a:prstGeom prst="rect">
             <a:avLst/>
@@ -5551,7 +5596,7 @@
         <p:spPr>
           <a:xfrm>
             <a:off x="628650" y="310604"/>
-            <a:ext cx="7886700" cy="740865"/>
+            <a:ext cx="7886700" cy="740866"/>
           </a:xfrm>
           <a:prstGeom prst="rect">
             <a:avLst/>
@@ -5559,21 +5604,20 @@
         </p:spPr>
         <p:txBody>
           <a:bodyPr/>
-          <a:lstStyle/>
-          <a:p>
-            <a:pPr>
+          <a:lstStyle>
+            <a:lvl1pPr>
               <a:defRPr sz="2800">
                 <a:latin typeface="Times New Roman"/>
                 <a:ea typeface="Times New Roman"/>
                 <a:cs typeface="Times New Roman"/>
                 <a:sym typeface="Times New Roman"/>
               </a:defRPr>
-            </a:pPr>
-            <a:r>
-              <a:t>Тестирование системы </a:t>
-            </a:r>
-            <a:r>
-              <a:t>6</a:t>
+            </a:lvl1pPr>
+          </a:lstStyle>
+          <a:p>
+            <a:pPr/>
+            <a:r>
+              <a:t>Тестирование системы 6</a:t>
             </a:r>
           </a:p>
         </p:txBody>
@@ -5589,7 +5633,7 @@
         <p:spPr>
           <a:xfrm>
             <a:off x="628650" y="1051467"/>
-            <a:ext cx="7886700" cy="516743"/>
+            <a:ext cx="7886700" cy="516744"/>
           </a:xfrm>
           <a:prstGeom prst="rect">
             <a:avLst/>
@@ -5635,8 +5679,8 @@
         </p:blipFill>
         <p:spPr>
           <a:xfrm>
-            <a:off x="748654" y="1787343"/>
-            <a:ext cx="7519722" cy="2913744"/>
+            <a:off x="71173" y="1609058"/>
+            <a:ext cx="9001654" cy="3487963"/>
           </a:xfrm>
           <a:prstGeom prst="rect">
             <a:avLst/>
@@ -5677,13 +5721,13 @@
           <p:cNvPr id="214" name="Номер слайда 3"/>
           <p:cNvSpPr txBox="1"/>
           <p:nvPr>
-            <p:ph type="sldNum" sz="quarter" idx="2"/>
+            <p:ph type="sldNum" sz="quarter" idx="4294967295"/>
           </p:nvPr>
         </p:nvSpPr>
         <p:spPr>
           <a:xfrm>
             <a:off x="8256726" y="6404293"/>
-            <a:ext cx="258624" cy="269241"/>
+            <a:ext cx="258622" cy="269239"/>
           </a:xfrm>
           <a:prstGeom prst="rect">
             <a:avLst/>
@@ -5714,7 +5758,7 @@
         <p:spPr>
           <a:xfrm>
             <a:off x="628650" y="310604"/>
-            <a:ext cx="7886700" cy="740865"/>
+            <a:ext cx="7886700" cy="740866"/>
           </a:xfrm>
           <a:prstGeom prst="rect">
             <a:avLst/>
@@ -5751,7 +5795,7 @@
         <p:spPr>
           <a:xfrm>
             <a:off x="628650" y="1051467"/>
-            <a:ext cx="7886700" cy="516743"/>
+            <a:ext cx="7886700" cy="516744"/>
           </a:xfrm>
           <a:prstGeom prst="rect">
             <a:avLst/>
@@ -5797,8 +5841,8 @@
         </p:blipFill>
         <p:spPr>
           <a:xfrm>
-            <a:off x="647343" y="1848249"/>
-            <a:ext cx="7849315" cy="2796319"/>
+            <a:off x="76832" y="1562995"/>
+            <a:ext cx="8990336" cy="3202808"/>
           </a:xfrm>
           <a:prstGeom prst="rect">
             <a:avLst/>
@@ -5839,13 +5883,13 @@
           <p:cNvPr id="219" name="Номер слайда 3"/>
           <p:cNvSpPr txBox="1"/>
           <p:nvPr>
-            <p:ph type="sldNum" sz="quarter" idx="2"/>
+            <p:ph type="sldNum" sz="quarter" idx="4294967295"/>
           </p:nvPr>
         </p:nvSpPr>
         <p:spPr>
           <a:xfrm>
             <a:off x="8256726" y="6404293"/>
-            <a:ext cx="258624" cy="269241"/>
+            <a:ext cx="258622" cy="269239"/>
           </a:xfrm>
           <a:prstGeom prst="rect">
             <a:avLst/>
@@ -5876,7 +5920,7 @@
         <p:spPr>
           <a:xfrm>
             <a:off x="628650" y="310604"/>
-            <a:ext cx="7886700" cy="740865"/>
+            <a:ext cx="7886700" cy="740866"/>
           </a:xfrm>
           <a:prstGeom prst="rect">
             <a:avLst/>
@@ -5913,7 +5957,7 @@
         <p:spPr>
           <a:xfrm>
             <a:off x="628650" y="1051467"/>
-            <a:ext cx="7886700" cy="516743"/>
+            <a:ext cx="7886700" cy="516744"/>
           </a:xfrm>
           <a:prstGeom prst="rect">
             <a:avLst/>
@@ -5959,8 +6003,8 @@
         </p:blipFill>
         <p:spPr>
           <a:xfrm>
-            <a:off x="621875" y="1863577"/>
-            <a:ext cx="7900250" cy="2836626"/>
+            <a:off x="51366" y="1578321"/>
+            <a:ext cx="9041269" cy="3246317"/>
           </a:xfrm>
           <a:prstGeom prst="rect">
             <a:avLst/>
@@ -6006,8 +6050,8 @@
         </p:nvSpPr>
         <p:spPr>
           <a:xfrm>
-            <a:off x="628650" y="244994"/>
-            <a:ext cx="7886700" cy="872085"/>
+            <a:off x="628650" y="244995"/>
+            <a:ext cx="7886700" cy="872084"/>
           </a:xfrm>
           <a:prstGeom prst="rect">
             <a:avLst/>
@@ -6043,8 +6087,8 @@
         </p:nvSpPr>
         <p:spPr>
           <a:xfrm>
-            <a:off x="539793" y="1094286"/>
-            <a:ext cx="8064414" cy="5239275"/>
+            <a:off x="539793" y="1094285"/>
+            <a:ext cx="8064414" cy="5239277"/>
           </a:xfrm>
           <a:prstGeom prst="rect">
             <a:avLst/>
@@ -6089,13 +6133,7 @@
               </a:defRPr>
             </a:pPr>
             <a:r>
-              <a:t>данный проект можно использовать как встраиваемый модуль для более удобного отображения в других системах </a:t>
-            </a:r>
-            <a:r>
-              <a:t>GPS</a:t>
-            </a:r>
-            <a:r>
-              <a:t>-трекинга, навигации и т.п.</a:t>
+              <a:t>данный проект можно использовать как встраиваемый модуль для более удобного отображения в других системах GPS-трекинга, навигации и т.п.</a:t>
             </a:r>
           </a:p>
           <a:p>
@@ -6118,13 +6156,13 @@
           <p:cNvPr id="226" name="Номер слайда 3"/>
           <p:cNvSpPr txBox="1"/>
           <p:nvPr>
-            <p:ph type="sldNum" sz="quarter" idx="2"/>
+            <p:ph type="sldNum" sz="quarter" idx="4294967295"/>
           </p:nvPr>
         </p:nvSpPr>
         <p:spPr>
           <a:xfrm>
             <a:off x="8256726" y="6404293"/>
-            <a:ext cx="258624" cy="269241"/>
+            <a:ext cx="258622" cy="269239"/>
           </a:xfrm>
           <a:prstGeom prst="rect">
             <a:avLst/>
@@ -6212,13 +6250,13 @@
           <p:cNvPr id="229" name="Номер слайда 3"/>
           <p:cNvSpPr txBox="1"/>
           <p:nvPr>
-            <p:ph type="sldNum" sz="quarter" idx="2"/>
+            <p:ph type="sldNum" sz="quarter" idx="4294967295"/>
           </p:nvPr>
         </p:nvSpPr>
         <p:spPr>
           <a:xfrm>
             <a:off x="8256726" y="6404293"/>
-            <a:ext cx="258624" cy="269241"/>
+            <a:ext cx="258622" cy="269239"/>
           </a:xfrm>
           <a:prstGeom prst="rect">
             <a:avLst/>
@@ -6274,8 +6312,8 @@
         </p:nvSpPr>
         <p:spPr>
           <a:xfrm>
-            <a:off x="628649" y="192597"/>
-            <a:ext cx="4003737" cy="687298"/>
+            <a:off x="628648" y="192596"/>
+            <a:ext cx="4003738" cy="687300"/>
           </a:xfrm>
           <a:prstGeom prst="rect">
             <a:avLst/>
@@ -6283,21 +6321,20 @@
         </p:spPr>
         <p:txBody>
           <a:bodyPr/>
-          <a:lstStyle/>
-          <a:p>
-            <a:pPr>
+          <a:lstStyle>
+            <a:lvl1pPr>
               <a:defRPr sz="2800">
                 <a:latin typeface="Times New Roman"/>
                 <a:ea typeface="Times New Roman"/>
                 <a:cs typeface="Times New Roman"/>
                 <a:sym typeface="Times New Roman"/>
               </a:defRPr>
-            </a:pPr>
-            <a:r>
-              <a:t>Что такое </a:t>
-            </a:r>
-            <a:r>
-              <a:t>Traccar?</a:t>
+            </a:lvl1pPr>
+          </a:lstStyle>
+          <a:p>
+            <a:pPr/>
+            <a:r>
+              <a:t>Что такое Traccar?</a:t>
             </a:r>
           </a:p>
         </p:txBody>
@@ -6321,7 +6358,7 @@
         <p:spPr>
           <a:xfrm>
             <a:off x="660401" y="656100"/>
-            <a:ext cx="7943966" cy="5700252"/>
+            <a:ext cx="7943967" cy="5700253"/>
           </a:xfrm>
           <a:prstGeom prst="rect">
             <a:avLst/>
@@ -6336,13 +6373,13 @@
           <p:cNvPr id="124" name="Номер слайда 4"/>
           <p:cNvSpPr txBox="1"/>
           <p:nvPr>
-            <p:ph type="sldNum" sz="quarter" idx="2"/>
+            <p:ph type="sldNum" sz="quarter" idx="4294967295"/>
           </p:nvPr>
         </p:nvSpPr>
         <p:spPr>
           <a:xfrm>
             <a:off x="8333968" y="6404293"/>
-            <a:ext cx="181382" cy="269241"/>
+            <a:ext cx="181380" cy="269239"/>
           </a:xfrm>
           <a:prstGeom prst="rect">
             <a:avLst/>
@@ -6393,13 +6430,13 @@
           <p:cNvPr id="126" name="Номер слайда 3"/>
           <p:cNvSpPr txBox="1"/>
           <p:nvPr>
-            <p:ph type="sldNum" sz="quarter" idx="2"/>
+            <p:ph type="sldNum" sz="quarter" idx="4294967295"/>
           </p:nvPr>
         </p:nvSpPr>
         <p:spPr>
           <a:xfrm>
             <a:off x="8333968" y="6404293"/>
-            <a:ext cx="181382" cy="269241"/>
+            <a:ext cx="181380" cy="269239"/>
           </a:xfrm>
           <a:prstGeom prst="rect">
             <a:avLst/>
@@ -6429,8 +6466,8 @@
         </p:nvSpPr>
         <p:spPr>
           <a:xfrm>
-            <a:off x="628649" y="192597"/>
-            <a:ext cx="4003737" cy="687298"/>
+            <a:off x="628648" y="192596"/>
+            <a:ext cx="4003738" cy="687300"/>
           </a:xfrm>
           <a:prstGeom prst="rect">
             <a:avLst/>
@@ -6438,21 +6475,20 @@
         </p:spPr>
         <p:txBody>
           <a:bodyPr/>
-          <a:lstStyle/>
-          <a:p>
-            <a:pPr>
+          <a:lstStyle>
+            <a:lvl1pPr>
               <a:defRPr sz="2800">
                 <a:latin typeface="Times New Roman"/>
                 <a:ea typeface="Times New Roman"/>
                 <a:cs typeface="Times New Roman"/>
                 <a:sym typeface="Times New Roman"/>
               </a:defRPr>
-            </a:pPr>
-            <a:r>
-              <a:t>Что такое </a:t>
-            </a:r>
-            <a:r>
-              <a:t>Liferay?</a:t>
+            </a:lvl1pPr>
+          </a:lstStyle>
+          <a:p>
+            <a:pPr/>
+            <a:r>
+              <a:t>Что такое Liferay?</a:t>
             </a:r>
           </a:p>
         </p:txBody>
@@ -6523,7 +6559,7 @@
         <p:spPr>
           <a:xfrm>
             <a:off x="628650" y="365125"/>
-            <a:ext cx="7886700" cy="849900"/>
+            <a:ext cx="7886700" cy="849899"/>
           </a:xfrm>
           <a:prstGeom prst="rect">
             <a:avLst/>
@@ -6582,10 +6618,7 @@
               </a:defRPr>
             </a:pPr>
             <a:r>
-              <a:t>Java</a:t>
-            </a:r>
-            <a:r>
-              <a:t>-проект с множеством исходных файлов, без модульности;</a:t>
+              <a:t>Java-проект с множеством исходных файлов, без модульности;</a:t>
             </a:r>
           </a:p>
           <a:p>
@@ -6601,13 +6634,7 @@
               </a:defRPr>
             </a:pPr>
             <a:r>
-              <a:t>Сборка производиться посредством </a:t>
-            </a:r>
-            <a:r>
-              <a:t>Maven</a:t>
-            </a:r>
-            <a:r>
-              <a:t>-зависимостей;</a:t>
+              <a:t>Сборка производиться посредством Maven-зависимостей;</a:t>
             </a:r>
           </a:p>
           <a:p>
@@ -6623,13 +6650,7 @@
               </a:defRPr>
             </a:pPr>
             <a:r>
-              <a:t>Веб-интерфейс представлен не в качестве модульного портлета, а множеством файлов (</a:t>
-            </a:r>
-            <a:r>
-              <a:t>js, xml, java)</a:t>
-            </a:r>
-            <a:r>
-              <a:t>.</a:t>
+              <a:t>Веб-интерфейс представлен не в качестве модульного портлета, а множеством файлов (js, xml, java).</a:t>
             </a:r>
           </a:p>
         </p:txBody>
@@ -6639,13 +6660,13 @@
           <p:cNvPr id="132" name="Номер слайда 3"/>
           <p:cNvSpPr txBox="1"/>
           <p:nvPr>
-            <p:ph type="sldNum" sz="quarter" idx="2"/>
+            <p:ph type="sldNum" sz="quarter" idx="4294967295"/>
           </p:nvPr>
         </p:nvSpPr>
         <p:spPr>
           <a:xfrm>
             <a:off x="8333968" y="6404293"/>
-            <a:ext cx="181382" cy="269241"/>
+            <a:ext cx="181380" cy="269239"/>
           </a:xfrm>
           <a:prstGeom prst="rect">
             <a:avLst/>
@@ -6733,13 +6754,13 @@
           <p:cNvPr id="135" name="Номер слайда 3"/>
           <p:cNvSpPr txBox="1"/>
           <p:nvPr>
-            <p:ph type="sldNum" sz="quarter" idx="2"/>
+            <p:ph type="sldNum" sz="quarter" idx="4294967295"/>
           </p:nvPr>
         </p:nvSpPr>
         <p:spPr>
           <a:xfrm>
             <a:off x="8333968" y="6404293"/>
-            <a:ext cx="181382" cy="269241"/>
+            <a:ext cx="181380" cy="269239"/>
           </a:xfrm>
           <a:prstGeom prst="rect">
             <a:avLst/>
@@ -6777,8 +6798,8 @@
         </p:blipFill>
         <p:spPr>
           <a:xfrm>
-            <a:off x="396240" y="1130060"/>
-            <a:ext cx="7665720" cy="5241280"/>
+            <a:off x="384354" y="916118"/>
+            <a:ext cx="8122157" cy="5553359"/>
           </a:xfrm>
           <a:prstGeom prst="rect">
             <a:avLst/>
@@ -6824,8 +6845,8 @@
         </p:nvSpPr>
         <p:spPr>
           <a:xfrm>
-            <a:off x="490626" y="136523"/>
-            <a:ext cx="7886701" cy="790815"/>
+            <a:off x="490626" y="136522"/>
+            <a:ext cx="7886701" cy="790817"/>
           </a:xfrm>
           <a:prstGeom prst="rect">
             <a:avLst/>
@@ -6856,13 +6877,13 @@
           <p:cNvPr id="139" name="Номер слайда 3"/>
           <p:cNvSpPr txBox="1"/>
           <p:nvPr>
-            <p:ph type="sldNum" sz="quarter" idx="2"/>
+            <p:ph type="sldNum" sz="quarter" idx="4294967295"/>
           </p:nvPr>
         </p:nvSpPr>
         <p:spPr>
           <a:xfrm>
             <a:off x="8333968" y="6404293"/>
-            <a:ext cx="181382" cy="269241"/>
+            <a:ext cx="181380" cy="269239"/>
           </a:xfrm>
           <a:prstGeom prst="rect">
             <a:avLst/>
@@ -6900,8 +6921,8 @@
         </p:blipFill>
         <p:spPr>
           <a:xfrm>
-            <a:off x="338797" y="758900"/>
-            <a:ext cx="7886701" cy="5854717"/>
+            <a:off x="338797" y="758899"/>
+            <a:ext cx="7998808" cy="5937941"/>
           </a:xfrm>
           <a:prstGeom prst="rect">
             <a:avLst/>
@@ -6942,13 +6963,13 @@
           <p:cNvPr id="142" name="Номер слайда 3"/>
           <p:cNvSpPr txBox="1"/>
           <p:nvPr>
-            <p:ph type="sldNum" sz="quarter" idx="2"/>
+            <p:ph type="sldNum" sz="quarter" idx="4294967295"/>
           </p:nvPr>
         </p:nvSpPr>
         <p:spPr>
           <a:xfrm>
             <a:off x="8333968" y="6404293"/>
-            <a:ext cx="181382" cy="269241"/>
+            <a:ext cx="181380" cy="269239"/>
           </a:xfrm>
           <a:prstGeom prst="rect">
             <a:avLst/>
@@ -6976,8 +6997,8 @@
         </p:nvSpPr>
         <p:spPr>
           <a:xfrm>
-            <a:off x="381358" y="83267"/>
-            <a:ext cx="8521701" cy="573088"/>
+            <a:off x="6815655" y="83266"/>
+            <a:ext cx="2206262" cy="2514392"/>
           </a:xfrm>
           <a:prstGeom prst="rect">
             <a:avLst/>
@@ -6992,7 +7013,7 @@
           </a:extLst>
         </p:spPr>
         <p:txBody>
-          <a:bodyPr lIns="45719" rIns="45719" anchor="ctr">
+          <a:bodyPr lIns="45718" tIns="45718" rIns="45718" bIns="45718" anchor="ctr">
             <a:normAutofit fontScale="100000" lnSpcReduction="0"/>
           </a:bodyPr>
           <a:lstStyle>
@@ -7034,8 +7055,8 @@
         </p:blipFill>
         <p:spPr>
           <a:xfrm>
-            <a:off x="1505779" y="610347"/>
-            <a:ext cx="6132442" cy="6019054"/>
+            <a:off x="-312722" y="-40815"/>
+            <a:ext cx="7070362" cy="6939630"/>
           </a:xfrm>
           <a:prstGeom prst="rect">
             <a:avLst/>
@@ -7082,7 +7103,7 @@
         <p:spPr>
           <a:xfrm>
             <a:off x="568265" y="264063"/>
-            <a:ext cx="7886701" cy="833947"/>
+            <a:ext cx="7886701" cy="833946"/>
           </a:xfrm>
           <a:prstGeom prst="rect">
             <a:avLst/>
@@ -7113,13 +7134,13 @@
           <p:cNvPr id="147" name="Номер слайда 3"/>
           <p:cNvSpPr txBox="1"/>
           <p:nvPr>
-            <p:ph type="sldNum" sz="quarter" idx="2"/>
+            <p:ph type="sldNum" sz="quarter" idx="4294967295"/>
           </p:nvPr>
         </p:nvSpPr>
         <p:spPr>
           <a:xfrm>
             <a:off x="8333968" y="6404293"/>
-            <a:ext cx="181382" cy="269241"/>
+            <a:ext cx="181380" cy="269239"/>
           </a:xfrm>
           <a:prstGeom prst="rect">
             <a:avLst/>
@@ -7151,15 +7172,14 @@
           <a:blip r:embed="rId2">
             <a:extLst/>
           </a:blip>
-          <a:srcRect l="0" t="0" r="0" b="0"/>
           <a:stretch>
             <a:fillRect/>
           </a:stretch>
         </p:blipFill>
         <p:spPr>
           <a:xfrm>
-            <a:off x="686533" y="1445021"/>
-            <a:ext cx="7649980" cy="3967917"/>
+            <a:off x="291841" y="1155251"/>
+            <a:ext cx="8439732" cy="4377549"/>
           </a:xfrm>
           <a:prstGeom prst="rect">
             <a:avLst/>
@@ -7371,17 +7391,17 @@
         <a:solidFill>
           <a:srgbClr val="FFFFFF"/>
         </a:solidFill>
-        <a:ln w="12700" cap="flat">
+        <a:ln w="25400" cap="flat">
           <a:solidFill>
             <a:schemeClr val="accent1"/>
           </a:solidFill>
           <a:prstDash val="solid"/>
-          <a:miter lim="800000"/>
+          <a:round/>
         </a:ln>
         <a:effectLst/>
         <a:sp3d/>
       </a:spPr>
-      <a:bodyPr rot="0" spcFirstLastPara="1" vertOverflow="overflow" horzOverflow="overflow" vert="horz" wrap="square" lIns="45719" tIns="45719" rIns="45719" bIns="45719" numCol="1" spcCol="38100" rtlCol="0" anchor="ctr" upright="0">
+      <a:bodyPr rot="0" spcFirstLastPara="1" vertOverflow="overflow" horzOverflow="overflow" vert="horz" wrap="square" lIns="45718" tIns="45718" rIns="45718" bIns="45718" numCol="1" spcCol="38100" rtlCol="0" anchor="ctr" upright="0">
         <a:spAutoFit/>
       </a:bodyPr>
       <a:lstStyle>
@@ -7409,10 +7429,10 @@
             </a:solidFill>
             <a:effectLst/>
             <a:uFillTx/>
-            <a:latin typeface="+mj-lt"/>
-            <a:ea typeface="+mj-ea"/>
-            <a:cs typeface="+mj-cs"/>
-            <a:sym typeface="Calibri"/>
+            <a:latin typeface="+mn-lt"/>
+            <a:ea typeface="+mn-ea"/>
+            <a:cs typeface="+mn-cs"/>
+            <a:sym typeface="Helvetica"/>
           </a:defRPr>
         </a:defPPr>
         <a:lvl1pPr marL="0" marR="0" indent="0" algn="l" defTabSz="914400" rtl="0" fontAlgn="auto" latinLnBrk="1" hangingPunct="0">
@@ -7660,12 +7680,12 @@
     <a:lnDef>
       <a:spPr>
         <a:noFill/>
-        <a:ln w="12700" cap="flat">
+        <a:ln w="25400" cap="flat">
           <a:solidFill>
             <a:schemeClr val="accent1"/>
           </a:solidFill>
           <a:prstDash val="solid"/>
-          <a:miter lim="800000"/>
+          <a:round/>
         </a:ln>
         <a:effectLst/>
         <a:sp3d/>
@@ -7952,7 +7972,7 @@
         <a:effectLst/>
         <a:sp3d/>
       </a:spPr>
-      <a:bodyPr rot="0" spcFirstLastPara="1" vertOverflow="overflow" horzOverflow="overflow" vert="horz" wrap="square" lIns="45719" tIns="45719" rIns="45719" bIns="45719" numCol="1" spcCol="38100" rtlCol="0" anchor="t" upright="0">
+      <a:bodyPr rot="0" spcFirstLastPara="1" vertOverflow="overflow" horzOverflow="overflow" vert="horz" wrap="square" lIns="45718" tIns="45718" rIns="45718" bIns="45718" numCol="1" spcCol="38100" rtlCol="0" anchor="t" upright="0">
         <a:spAutoFit/>
       </a:bodyPr>
       <a:lstStyle>
@@ -7980,10 +8000,10 @@
             </a:solidFill>
             <a:effectLst/>
             <a:uFillTx/>
-            <a:latin typeface="+mj-lt"/>
-            <a:ea typeface="+mj-ea"/>
-            <a:cs typeface="+mj-cs"/>
-            <a:sym typeface="Calibri"/>
+            <a:latin typeface="+mn-lt"/>
+            <a:ea typeface="+mn-ea"/>
+            <a:cs typeface="+mn-cs"/>
+            <a:sym typeface="Helvetica"/>
           </a:defRPr>
         </a:defPPr>
         <a:lvl1pPr marL="0" marR="0" indent="0" algn="l" defTabSz="914400" rtl="0" fontAlgn="auto" latinLnBrk="1" hangingPunct="0">
@@ -8425,17 +8445,17 @@
         <a:solidFill>
           <a:srgbClr val="FFFFFF"/>
         </a:solidFill>
-        <a:ln w="12700" cap="flat">
+        <a:ln w="25400" cap="flat">
           <a:solidFill>
             <a:schemeClr val="accent1"/>
           </a:solidFill>
           <a:prstDash val="solid"/>
-          <a:miter lim="800000"/>
+          <a:round/>
         </a:ln>
         <a:effectLst/>
         <a:sp3d/>
       </a:spPr>
-      <a:bodyPr rot="0" spcFirstLastPara="1" vertOverflow="overflow" horzOverflow="overflow" vert="horz" wrap="square" lIns="45719" tIns="45719" rIns="45719" bIns="45719" numCol="1" spcCol="38100" rtlCol="0" anchor="ctr" upright="0">
+      <a:bodyPr rot="0" spcFirstLastPara="1" vertOverflow="overflow" horzOverflow="overflow" vert="horz" wrap="square" lIns="45718" tIns="45718" rIns="45718" bIns="45718" numCol="1" spcCol="38100" rtlCol="0" anchor="ctr" upright="0">
         <a:spAutoFit/>
       </a:bodyPr>
       <a:lstStyle>
@@ -8463,10 +8483,10 @@
             </a:solidFill>
             <a:effectLst/>
             <a:uFillTx/>
-            <a:latin typeface="+mj-lt"/>
-            <a:ea typeface="+mj-ea"/>
-            <a:cs typeface="+mj-cs"/>
-            <a:sym typeface="Calibri"/>
+            <a:latin typeface="+mn-lt"/>
+            <a:ea typeface="+mn-ea"/>
+            <a:cs typeface="+mn-cs"/>
+            <a:sym typeface="Helvetica"/>
           </a:defRPr>
         </a:defPPr>
         <a:lvl1pPr marL="0" marR="0" indent="0" algn="l" defTabSz="914400" rtl="0" fontAlgn="auto" latinLnBrk="1" hangingPunct="0">
@@ -8714,12 +8734,12 @@
     <a:lnDef>
       <a:spPr>
         <a:noFill/>
-        <a:ln w="12700" cap="flat">
+        <a:ln w="25400" cap="flat">
           <a:solidFill>
             <a:schemeClr val="accent1"/>
           </a:solidFill>
           <a:prstDash val="solid"/>
-          <a:miter lim="800000"/>
+          <a:round/>
         </a:ln>
         <a:effectLst/>
         <a:sp3d/>
@@ -9006,7 +9026,7 @@
         <a:effectLst/>
         <a:sp3d/>
       </a:spPr>
-      <a:bodyPr rot="0" spcFirstLastPara="1" vertOverflow="overflow" horzOverflow="overflow" vert="horz" wrap="square" lIns="45719" tIns="45719" rIns="45719" bIns="45719" numCol="1" spcCol="38100" rtlCol="0" anchor="t" upright="0">
+      <a:bodyPr rot="0" spcFirstLastPara="1" vertOverflow="overflow" horzOverflow="overflow" vert="horz" wrap="square" lIns="45718" tIns="45718" rIns="45718" bIns="45718" numCol="1" spcCol="38100" rtlCol="0" anchor="t" upright="0">
         <a:spAutoFit/>
       </a:bodyPr>
       <a:lstStyle>
@@ -9034,10 +9054,10 @@
             </a:solidFill>
             <a:effectLst/>
             <a:uFillTx/>
-            <a:latin typeface="+mj-lt"/>
-            <a:ea typeface="+mj-ea"/>
-            <a:cs typeface="+mj-cs"/>
-            <a:sym typeface="Calibri"/>
+            <a:latin typeface="+mn-lt"/>
+            <a:ea typeface="+mn-ea"/>
+            <a:cs typeface="+mn-cs"/>
+            <a:sym typeface="Helvetica"/>
           </a:defRPr>
         </a:defPPr>
         <a:lvl1pPr marL="0" marR="0" indent="0" algn="l" defTabSz="914400" rtl="0" fontAlgn="auto" latinLnBrk="1" hangingPunct="0">
